--- a/DomainLogic-LKPUG.pptx
+++ b/DomainLogic-LKPUG.pptx
@@ -3420,7 +3420,11 @@
           <a:p>
             <a:r>
               <a:rPr lang="en-US" dirty="0" smtClean="0"/>
-              <a:t>Code and Slides</a:t>
+              <a:t>Code and Slides on </a:t>
+            </a:r>
+            <a:r>
+              <a:rPr lang="en-US" smtClean="0"/>
+              <a:t>github</a:t>
             </a:r>
             <a:r>
               <a:rPr lang="en-US" dirty="0" smtClean="0"/>
@@ -3436,7 +3440,7 @@
               <a:rPr lang="en-US" sz="2400" dirty="0" smtClean="0">
                 <a:hlinkClick r:id="rId3"/>
               </a:rPr>
-              <a:t>github.com/PSchwisow/Miscellaneous/tree/master/DomainLogic</a:t>
+              <a:t>github.com/PSchwisow/Miscellaneous/</a:t>
             </a:r>
             <a:endParaRPr lang="en-US" dirty="0"/>
           </a:p>
